--- a/Documents/eny_idea.pptx
+++ b/Documents/eny_idea.pptx
@@ -114,7 +114,7 @@
   </p:defaultTextStyle>
   <p:extLst>
     <p:ext uri="{EFAFB233-063F-42B5-8137-9DF3F51BA10A}">
-      <p15:sldGuideLst xmlns="" xmlns:p15="http://schemas.microsoft.com/office/powerpoint/2012/main">
+      <p15:sldGuideLst xmlns:p15="http://schemas.microsoft.com/office/powerpoint/2012/main" xmlns="">
         <p15:guide id="1" orient="horz" pos="2160">
           <p15:clr>
             <a:srgbClr val="A4A3A4"/>
@@ -128,7 +128,7 @@
       </p15:sldGuideLst>
     </p:ext>
     <p:ext uri="{2D200454-40CA-4A62-9FC3-DE9A4176ACB9}">
-      <p15:notesGuideLst xmlns="" xmlns:p15="http://schemas.microsoft.com/office/powerpoint/2012/main">
+      <p15:notesGuideLst xmlns:p15="http://schemas.microsoft.com/office/powerpoint/2012/main" xmlns="">
         <p15:guide id="1" orient="horz" pos="2160">
           <p15:clr>
             <a:srgbClr val="A4A3A4"/>
@@ -228,7 +228,7 @@
             <a:fld id="{68D1814D-6C7E-D142-8153-5520FCA0A54D}" type="datetimeFigureOut">
               <a:rPr kumimoji="1" lang="ja-JP" altLang="en-US" smtClean="0"/>
               <a:pPr/>
-              <a:t>2016/11/23</a:t>
+              <a:t>2017/1/19</a:t>
             </a:fld>
             <a:endParaRPr kumimoji="1" lang="ja-JP" altLang="en-US"/>
           </a:p>
@@ -304,7 +304,7 @@
     </p:spTree>
     <p:extLst>
       <p:ext uri="{BB962C8B-B14F-4D97-AF65-F5344CB8AC3E}">
-        <p14:creationId xmlns="" xmlns:p14="http://schemas.microsoft.com/office/powerpoint/2010/main" val="3472802141"/>
+        <p14:creationId xmlns:p14="http://schemas.microsoft.com/office/powerpoint/2010/main" xmlns="" val="3472802141"/>
       </p:ext>
     </p:extLst>
   </p:cSld>
@@ -396,7 +396,7 @@
             <a:fld id="{4F81806A-135C-DB41-A664-5A2C83C7F245}" type="datetimeFigureOut">
               <a:rPr kumimoji="1" lang="ja-JP" altLang="en-US" smtClean="0"/>
               <a:pPr/>
-              <a:t>2016/11/23</a:t>
+              <a:t>2017/1/19</a:t>
             </a:fld>
             <a:endParaRPr kumimoji="1" lang="ja-JP" altLang="en-US"/>
           </a:p>
@@ -596,7 +596,7 @@
     </p:spTree>
     <p:extLst>
       <p:ext uri="{BB962C8B-B14F-4D97-AF65-F5344CB8AC3E}">
-        <p14:creationId xmlns="" xmlns:p14="http://schemas.microsoft.com/office/powerpoint/2010/main" val="1171157898"/>
+        <p14:creationId xmlns:p14="http://schemas.microsoft.com/office/powerpoint/2010/main" xmlns="" val="1171157898"/>
       </p:ext>
     </p:extLst>
   </p:cSld>
@@ -802,7 +802,7 @@
     </p:spTree>
     <p:extLst>
       <p:ext uri="{BB962C8B-B14F-4D97-AF65-F5344CB8AC3E}">
-        <p14:creationId xmlns="" xmlns:p14="http://schemas.microsoft.com/office/powerpoint/2010/main" val="3270370642"/>
+        <p14:creationId xmlns:p14="http://schemas.microsoft.com/office/powerpoint/2010/main" xmlns="" val="3270370642"/>
       </p:ext>
     </p:extLst>
   </p:cSld>
@@ -917,7 +917,7 @@
     </p:spTree>
     <p:extLst>
       <p:ext uri="{BB962C8B-B14F-4D97-AF65-F5344CB8AC3E}">
-        <p14:creationId xmlns="" xmlns:p14="http://schemas.microsoft.com/office/powerpoint/2010/main" val="3270370642"/>
+        <p14:creationId xmlns:p14="http://schemas.microsoft.com/office/powerpoint/2010/main" xmlns="" val="3270370642"/>
       </p:ext>
     </p:extLst>
   </p:cSld>
@@ -1032,7 +1032,7 @@
     </p:spTree>
     <p:extLst>
       <p:ext uri="{BB962C8B-B14F-4D97-AF65-F5344CB8AC3E}">
-        <p14:creationId xmlns="" xmlns:p14="http://schemas.microsoft.com/office/powerpoint/2010/main" val="3270370642"/>
+        <p14:creationId xmlns:p14="http://schemas.microsoft.com/office/powerpoint/2010/main" xmlns="" val="3270370642"/>
       </p:ext>
     </p:extLst>
   </p:cSld>
@@ -1231,7 +1231,7 @@
     </p:spTree>
     <p:extLst>
       <p:ext uri="{BB962C8B-B14F-4D97-AF65-F5344CB8AC3E}">
-        <p14:creationId xmlns="" xmlns:p14="http://schemas.microsoft.com/office/powerpoint/2010/main" val="3805918503"/>
+        <p14:creationId xmlns:p14="http://schemas.microsoft.com/office/powerpoint/2010/main" xmlns="" val="3805918503"/>
       </p:ext>
     </p:extLst>
   </p:cSld>
@@ -1452,7 +1452,7 @@
     </p:spTree>
     <p:extLst>
       <p:ext uri="{BB962C8B-B14F-4D97-AF65-F5344CB8AC3E}">
-        <p14:creationId xmlns="" xmlns:p14="http://schemas.microsoft.com/office/powerpoint/2010/main" val="3184316788"/>
+        <p14:creationId xmlns:p14="http://schemas.microsoft.com/office/powerpoint/2010/main" xmlns="" val="3184316788"/>
       </p:ext>
     </p:extLst>
   </p:cSld>
@@ -1683,7 +1683,7 @@
     </p:spTree>
     <p:extLst>
       <p:ext uri="{BB962C8B-B14F-4D97-AF65-F5344CB8AC3E}">
-        <p14:creationId xmlns="" xmlns:p14="http://schemas.microsoft.com/office/powerpoint/2010/main" val="3517333285"/>
+        <p14:creationId xmlns:p14="http://schemas.microsoft.com/office/powerpoint/2010/main" xmlns="" val="3517333285"/>
       </p:ext>
     </p:extLst>
   </p:cSld>
@@ -1917,7 +1917,7 @@
     </p:spTree>
     <p:extLst>
       <p:ext uri="{BB962C8B-B14F-4D97-AF65-F5344CB8AC3E}">
-        <p14:creationId xmlns="" xmlns:p14="http://schemas.microsoft.com/office/powerpoint/2010/main" val="2671010058"/>
+        <p14:creationId xmlns:p14="http://schemas.microsoft.com/office/powerpoint/2010/main" xmlns="" val="2671010058"/>
       </p:ext>
     </p:extLst>
   </p:cSld>
@@ -2183,7 +2183,7 @@
     </p:spTree>
     <p:extLst>
       <p:ext uri="{BB962C8B-B14F-4D97-AF65-F5344CB8AC3E}">
-        <p14:creationId xmlns="" xmlns:p14="http://schemas.microsoft.com/office/powerpoint/2010/main" val="1773465091"/>
+        <p14:creationId xmlns:p14="http://schemas.microsoft.com/office/powerpoint/2010/main" xmlns="" val="1773465091"/>
       </p:ext>
     </p:extLst>
   </p:cSld>
@@ -2553,7 +2553,7 @@
     </p:spTree>
     <p:extLst>
       <p:ext uri="{BB962C8B-B14F-4D97-AF65-F5344CB8AC3E}">
-        <p14:creationId xmlns="" xmlns:p14="http://schemas.microsoft.com/office/powerpoint/2010/main" val="3137647515"/>
+        <p14:creationId xmlns:p14="http://schemas.microsoft.com/office/powerpoint/2010/main" xmlns="" val="3137647515"/>
       </p:ext>
     </p:extLst>
   </p:cSld>
@@ -3062,7 +3062,7 @@
     </p:spTree>
     <p:extLst>
       <p:ext uri="{BB962C8B-B14F-4D97-AF65-F5344CB8AC3E}">
-        <p14:creationId xmlns="" xmlns:p14="http://schemas.microsoft.com/office/powerpoint/2010/main" val="1880878306"/>
+        <p14:creationId xmlns:p14="http://schemas.microsoft.com/office/powerpoint/2010/main" xmlns="" val="1880878306"/>
       </p:ext>
     </p:extLst>
   </p:cSld>
@@ -3200,7 +3200,7 @@
     </p:spTree>
     <p:extLst>
       <p:ext uri="{BB962C8B-B14F-4D97-AF65-F5344CB8AC3E}">
-        <p14:creationId xmlns="" xmlns:p14="http://schemas.microsoft.com/office/powerpoint/2010/main" val="4219298679"/>
+        <p14:creationId xmlns:p14="http://schemas.microsoft.com/office/powerpoint/2010/main" xmlns="" val="4219298679"/>
       </p:ext>
     </p:extLst>
   </p:cSld>
@@ -3316,7 +3316,7 @@
     </p:spTree>
     <p:extLst>
       <p:ext uri="{BB962C8B-B14F-4D97-AF65-F5344CB8AC3E}">
-        <p14:creationId xmlns="" xmlns:p14="http://schemas.microsoft.com/office/powerpoint/2010/main" val="152317453"/>
+        <p14:creationId xmlns:p14="http://schemas.microsoft.com/office/powerpoint/2010/main" xmlns="" val="152317453"/>
       </p:ext>
     </p:extLst>
   </p:cSld>
@@ -3644,7 +3644,7 @@
     </p:spTree>
     <p:extLst>
       <p:ext uri="{BB962C8B-B14F-4D97-AF65-F5344CB8AC3E}">
-        <p14:creationId xmlns="" xmlns:p14="http://schemas.microsoft.com/office/powerpoint/2010/main" val="2565807202"/>
+        <p14:creationId xmlns:p14="http://schemas.microsoft.com/office/powerpoint/2010/main" xmlns="" val="2565807202"/>
       </p:ext>
     </p:extLst>
   </p:cSld>
@@ -3917,7 +3917,7 @@
     </p:spTree>
     <p:extLst>
       <p:ext uri="{BB962C8B-B14F-4D97-AF65-F5344CB8AC3E}">
-        <p14:creationId xmlns="" xmlns:p14="http://schemas.microsoft.com/office/powerpoint/2010/main" val="3917451701"/>
+        <p14:creationId xmlns:p14="http://schemas.microsoft.com/office/powerpoint/2010/main" xmlns="" val="3917451701"/>
       </p:ext>
     </p:extLst>
   </p:cSld>
@@ -4119,7 +4119,7 @@
     </p:spTree>
     <p:extLst>
       <p:ext uri="{BB962C8B-B14F-4D97-AF65-F5344CB8AC3E}">
-        <p14:creationId xmlns="" xmlns:p14="http://schemas.microsoft.com/office/powerpoint/2010/main" val="2914005306"/>
+        <p14:creationId xmlns:p14="http://schemas.microsoft.com/office/powerpoint/2010/main" xmlns="" val="2914005306"/>
       </p:ext>
     </p:extLst>
   </p:cSld>
@@ -4700,11 +4700,7 @@
             </a:r>
             <a:r>
               <a:rPr lang="en-US" sz="1600" smtClean="0"/>
-              <a:t>basically </a:t>
-            </a:r>
-            <a:r>
-              <a:rPr lang="en-US" sz="1600" smtClean="0"/>
-              <a:t>anyone who </a:t>
+              <a:t>basically anyone who </a:t>
             </a:r>
             <a:r>
               <a:rPr lang="en-US" sz="1600" dirty="0" smtClean="0"/>
@@ -4827,7 +4823,7 @@
     </p:spTree>
     <p:extLst>
       <p:ext uri="{BB962C8B-B14F-4D97-AF65-F5344CB8AC3E}">
-        <p14:creationId xmlns="" xmlns:p14="http://schemas.microsoft.com/office/powerpoint/2010/main" val="2573119133"/>
+        <p14:creationId xmlns:p14="http://schemas.microsoft.com/office/powerpoint/2010/main" xmlns="" val="2573119133"/>
       </p:ext>
     </p:extLst>
   </p:cSld>
@@ -4835,7 +4831,7 @@
     <a:masterClrMapping/>
   </p:clrMapOvr>
   <mc:AlternateContent xmlns:mc="http://schemas.openxmlformats.org/markup-compatibility/2006">
-    <mc:Choice xmlns="" xmlns:p14="http://schemas.microsoft.com/office/powerpoint/2010/main" Requires="p14">
+    <mc:Choice xmlns:p14="http://schemas.microsoft.com/office/powerpoint/2010/main" xmlns="" Requires="p14">
       <p:transition spd="slow" p14:dur="2000" advTm="26976"/>
     </mc:Choice>
     <mc:Fallback>
@@ -5059,7 +5055,7 @@
     </p:spTree>
     <p:extLst>
       <p:ext uri="{BB962C8B-B14F-4D97-AF65-F5344CB8AC3E}">
-        <p14:creationId xmlns="" xmlns:p14="http://schemas.microsoft.com/office/powerpoint/2010/main" val="3565624266"/>
+        <p14:creationId xmlns:p14="http://schemas.microsoft.com/office/powerpoint/2010/main" xmlns="" val="3565624266"/>
       </p:ext>
     </p:extLst>
   </p:cSld>
@@ -5067,7 +5063,7 @@
     <a:masterClrMapping/>
   </p:clrMapOvr>
   <mc:AlternateContent xmlns:mc="http://schemas.openxmlformats.org/markup-compatibility/2006">
-    <mc:Choice xmlns="" xmlns:p14="http://schemas.microsoft.com/office/powerpoint/2010/main" Requires="p14">
+    <mc:Choice xmlns:p14="http://schemas.microsoft.com/office/powerpoint/2010/main" xmlns="" Requires="p14">
       <p:transition spd="slow" p14:dur="2000" advTm="26976"/>
     </mc:Choice>
     <mc:Fallback>
@@ -5172,7 +5168,7 @@
         <p:spPr>
           <a:xfrm flipH="1">
             <a:off x="1068241" y="777782"/>
-            <a:ext cx="8088637" cy="5016758"/>
+            <a:ext cx="8088637" cy="4770537"/>
           </a:xfrm>
           <a:prstGeom prst="rect">
             <a:avLst/>
@@ -5198,7 +5194,11 @@
             </a:r>
             <a:r>
               <a:rPr lang="en-US" sz="1600" dirty="0" smtClean="0"/>
-              <a:t>4 </a:t>
+              <a:t>3</a:t>
+            </a:r>
+            <a:r>
+              <a:rPr lang="en-US" sz="1600" dirty="0" smtClean="0"/>
+              <a:t> </a:t>
             </a:r>
             <a:r>
               <a:rPr lang="en-US" sz="1600" dirty="0"/>
@@ -5346,16 +5346,16 @@
               <a:buAutoNum type="arabicPeriod"/>
             </a:pPr>
             <a:r>
-              <a:rPr lang="en-US" sz="1600" dirty="0" err="1"/>
-              <a:t>Gaurang</a:t>
-            </a:r>
-            <a:r>
-              <a:rPr lang="en-US" sz="1600" dirty="0"/>
+              <a:rPr lang="en-US" sz="1600" dirty="0" err="1" smtClean="0"/>
+              <a:t>Akshay</a:t>
+            </a:r>
+            <a:r>
+              <a:rPr lang="en-US" sz="1600" dirty="0" smtClean="0"/>
               <a:t> </a:t>
             </a:r>
             <a:r>
-              <a:rPr lang="en-US" sz="1600" dirty="0" err="1"/>
-              <a:t>Mhatre</a:t>
+              <a:rPr lang="en-US" sz="1600" dirty="0" err="1" smtClean="0"/>
+              <a:t>Mishra</a:t>
             </a:r>
             <a:endParaRPr lang="en-US" sz="1600" dirty="0"/>
           </a:p>
@@ -5365,19 +5365,6 @@
             </a:pPr>
             <a:r>
               <a:rPr lang="en-US" sz="1600" dirty="0" err="1" smtClean="0"/>
-              <a:t>Nititnkumar</a:t>
-            </a:r>
-            <a:r>
-              <a:rPr lang="en-US" sz="1600" dirty="0" smtClean="0"/>
-              <a:t> Gove</a:t>
-            </a:r>
-          </a:p>
-          <a:p>
-            <a:pPr marL="1423721" lvl="2" indent="-342900">
-              <a:buAutoNum type="arabicPeriod"/>
-            </a:pPr>
-            <a:r>
-              <a:rPr lang="en-US" sz="1600" dirty="0" err="1" smtClean="0"/>
               <a:t>Abhishek</a:t>
             </a:r>
             <a:r>
@@ -5395,7 +5382,7 @@
     </p:spTree>
     <p:extLst>
       <p:ext uri="{BB962C8B-B14F-4D97-AF65-F5344CB8AC3E}">
-        <p14:creationId xmlns="" xmlns:p14="http://schemas.microsoft.com/office/powerpoint/2010/main" val="3565624266"/>
+        <p14:creationId xmlns:p14="http://schemas.microsoft.com/office/powerpoint/2010/main" xmlns="" val="3565624266"/>
       </p:ext>
     </p:extLst>
   </p:cSld>
@@ -5403,7 +5390,7 @@
     <a:masterClrMapping/>
   </p:clrMapOvr>
   <mc:AlternateContent xmlns:mc="http://schemas.openxmlformats.org/markup-compatibility/2006">
-    <mc:Choice xmlns="" xmlns:p14="http://schemas.microsoft.com/office/powerpoint/2010/main" Requires="p14">
+    <mc:Choice xmlns:p14="http://schemas.microsoft.com/office/powerpoint/2010/main" xmlns="" Requires="p14">
       <p:transition spd="slow" p14:dur="2000" advTm="26976"/>
     </mc:Choice>
     <mc:Fallback>
